--- a/Flow.pptx
+++ b/Flow.pptx
@@ -104,6 +104,11 @@
       </a:defRPr>
     </a:lvl9pPr>
   </p:defaultTextStyle>
+  <p:extLst>
+    <p:ext uri="{EFAFB233-063F-42B5-8137-9DF3F51BA10A}">
+      <p15:sldGuideLst xmlns:p15="http://schemas.microsoft.com/office/powerpoint/2012/main"/>
+    </p:ext>
+  </p:extLst>
 </p:presentation>
 </file>
 
@@ -3411,8 +3416,8 @@
         </p:nvSpPr>
         <p:spPr>
           <a:xfrm>
-            <a:off x="120874" y="2623645"/>
-            <a:ext cx="1177158" cy="1087822"/>
+            <a:off x="120874" y="2623644"/>
+            <a:ext cx="1177158" cy="1202121"/>
           </a:xfrm>
           <a:prstGeom prst="rect">
             <a:avLst/>
@@ -3445,7 +3450,7 @@
           <a:lstStyle/>
           <a:p>
             <a:r>
-              <a:rPr lang="en-US" sz="1050" dirty="0">
+              <a:rPr lang="en-US" sz="1200" dirty="0">
                 <a:solidFill>
                   <a:schemeClr val="tx1"/>
                 </a:solidFill>
@@ -3455,7 +3460,7 @@
           </a:p>
           <a:p>
             <a:r>
-              <a:rPr lang="en-US" sz="1050" dirty="0">
+              <a:rPr lang="en-US" sz="1200" dirty="0">
                 <a:solidFill>
                   <a:schemeClr val="tx1"/>
                 </a:solidFill>
@@ -3465,7 +3470,7 @@
           </a:p>
           <a:p>
             <a:r>
-              <a:rPr lang="en-US" sz="1050" dirty="0">
+              <a:rPr lang="en-US" sz="1200" dirty="0">
                 <a:solidFill>
                   <a:schemeClr val="tx1"/>
                 </a:solidFill>
@@ -3475,7 +3480,7 @@
           </a:p>
           <a:p>
             <a:r>
-              <a:rPr lang="en-US" sz="1050" dirty="0" err="1">
+              <a:rPr lang="en-US" sz="1200" dirty="0" err="1">
                 <a:solidFill>
                   <a:schemeClr val="tx1"/>
                 </a:solidFill>
@@ -3483,7 +3488,7 @@
               <a:t>MaxAllocation</a:t>
             </a:r>
             <a:r>
-              <a:rPr lang="en-US" sz="1050" dirty="0">
+              <a:rPr lang="en-US" sz="1200" dirty="0">
                 <a:solidFill>
                   <a:schemeClr val="tx1"/>
                 </a:solidFill>
@@ -3493,7 +3498,7 @@
           </a:p>
           <a:p>
             <a:r>
-              <a:rPr lang="en-US" sz="1050" dirty="0">
+              <a:rPr lang="en-US" sz="1200" dirty="0">
                 <a:solidFill>
                   <a:schemeClr val="tx1"/>
                 </a:solidFill>
@@ -3518,7 +3523,7 @@
         <p:spPr>
           <a:xfrm>
             <a:off x="0" y="5076497"/>
-            <a:ext cx="12118428" cy="646331"/>
+            <a:ext cx="12118428" cy="1384995"/>
           </a:xfrm>
           <a:prstGeom prst="rect">
             <a:avLst/>
@@ -3577,7 +3582,48 @@
             </a:pPr>
             <a:r>
               <a:rPr lang="en-US" sz="1200" dirty="0"/>
-              <a:t>Its equivalent value in USD should be greater than 10 USD</a:t>
+              <a:t>Its equivalent value in USD should be greater than 10 USD (because that’s the minimum order amount in </a:t>
+            </a:r>
+            <a:r>
+              <a:rPr lang="en-US" sz="1200" dirty="0" err="1"/>
+              <a:t>Binance</a:t>
+            </a:r>
+            <a:r>
+              <a:rPr lang="en-US" sz="1200" dirty="0"/>
+              <a:t>)</a:t>
+            </a:r>
+          </a:p>
+          <a:p>
+            <a:endParaRPr lang="en-US" sz="1200" dirty="0"/>
+          </a:p>
+          <a:p>
+            <a:r>
+              <a:rPr lang="en-US" sz="1200" dirty="0"/>
+              <a:t>General</a:t>
+            </a:r>
+          </a:p>
+          <a:p>
+            <a:pPr marL="171450" indent="-171450">
+              <a:buFont typeface="Arial" panose="020B0604020202020204" pitchFamily="34" charset="0"/>
+              <a:buChar char="•"/>
+            </a:pPr>
+            <a:r>
+              <a:rPr lang="en-US" sz="1200" dirty="0"/>
+              <a:t>As long as the chart is moving up/down, it will keep collecting the profit equal to the specified spread for every cycle</a:t>
+            </a:r>
+          </a:p>
+          <a:p>
+            <a:pPr marL="628650" lvl="1" indent="-171450">
+              <a:buFont typeface="Arial" panose="020B0604020202020204" pitchFamily="34" charset="0"/>
+              <a:buChar char="•"/>
+            </a:pPr>
+            <a:r>
+              <a:rPr lang="en-US" sz="1200" dirty="0" err="1"/>
+              <a:t>Eg</a:t>
+            </a:r>
+            <a:r>
+              <a:rPr lang="en-US" sz="1200" dirty="0"/>
+              <a:t>: if 100 USDT invested and if 100 cycle successfully executed, then 100 USDT will become 140 USDT</a:t>
             </a:r>
           </a:p>
         </p:txBody>
@@ -3600,8 +3646,8 @@
         </p:nvCxnSpPr>
         <p:spPr>
           <a:xfrm>
-            <a:off x="1298032" y="3167556"/>
-            <a:ext cx="530771" cy="63419"/>
+            <a:off x="1298032" y="3224705"/>
+            <a:ext cx="530771" cy="6270"/>
           </a:xfrm>
           <a:prstGeom prst="bentConnector3">
             <a:avLst>
@@ -3681,7 +3727,7 @@
                   <a:schemeClr val="tx1"/>
                 </a:solidFill>
               </a:rPr>
-              <a:t>Open Limit Order Exists?</a:t>
+              <a:t>Open Limit Order doesn’t Exists?</a:t>
             </a:r>
           </a:p>
           <a:p>
@@ -3869,7 +3915,7 @@
               <a:buAutoNum type="arabicParenR"/>
             </a:pPr>
             <a:r>
-              <a:rPr lang="en-US" sz="1000" dirty="0">
+              <a:rPr lang="en-US" sz="1100" dirty="0">
                 <a:solidFill>
                   <a:schemeClr val="tx1"/>
                 </a:solidFill>
@@ -3882,7 +3928,7 @@
               <a:buAutoNum type="arabicParenR"/>
             </a:pPr>
             <a:r>
-              <a:rPr lang="en-US" sz="1000" dirty="0">
+              <a:rPr lang="en-US" sz="1100" dirty="0">
                 <a:solidFill>
                   <a:schemeClr val="tx1"/>
                 </a:solidFill>
@@ -3941,7 +3987,7 @@
           <a:p>
             <a:pPr algn="ctr"/>
             <a:r>
-              <a:rPr lang="en-US" sz="1000" dirty="0">
+              <a:rPr lang="en-US" sz="1200" dirty="0">
                 <a:solidFill>
                   <a:schemeClr val="tx1"/>
                 </a:solidFill>
@@ -3996,7 +4042,7 @@
           <a:p>
             <a:pPr algn="ctr"/>
             <a:r>
-              <a:rPr lang="en-US" sz="900" dirty="0">
+              <a:rPr lang="en-US" sz="1000" dirty="0">
                 <a:solidFill>
                   <a:schemeClr val="tx1"/>
                 </a:solidFill>
